--- a/Others/Auto App.pptx
+++ b/Others/Auto App.pptx
@@ -267,7 +267,7 @@
           <a:p>
             <a:fld id="{6E602128-D4D2-446C-B994-EA623573DE82}" type="datetimeFigureOut">
               <a:rPr lang="en-US" smtClean="0"/>
-              <a:t>7/29/2024</a:t>
+              <a:t>8/1/2024</a:t>
             </a:fld>
             <a:endParaRPr lang="en-US"/>
           </a:p>
@@ -465,7 +465,7 @@
           <a:p>
             <a:fld id="{6E602128-D4D2-446C-B994-EA623573DE82}" type="datetimeFigureOut">
               <a:rPr lang="en-US" smtClean="0"/>
-              <a:t>7/29/2024</a:t>
+              <a:t>8/1/2024</a:t>
             </a:fld>
             <a:endParaRPr lang="en-US"/>
           </a:p>
@@ -673,7 +673,7 @@
           <a:p>
             <a:fld id="{6E602128-D4D2-446C-B994-EA623573DE82}" type="datetimeFigureOut">
               <a:rPr lang="en-US" smtClean="0"/>
-              <a:t>7/29/2024</a:t>
+              <a:t>8/1/2024</a:t>
             </a:fld>
             <a:endParaRPr lang="en-US"/>
           </a:p>
@@ -871,7 +871,7 @@
           <a:p>
             <a:fld id="{6E602128-D4D2-446C-B994-EA623573DE82}" type="datetimeFigureOut">
               <a:rPr lang="en-US" smtClean="0"/>
-              <a:t>7/29/2024</a:t>
+              <a:t>8/1/2024</a:t>
             </a:fld>
             <a:endParaRPr lang="en-US"/>
           </a:p>
@@ -1146,7 +1146,7 @@
           <a:p>
             <a:fld id="{6E602128-D4D2-446C-B994-EA623573DE82}" type="datetimeFigureOut">
               <a:rPr lang="en-US" smtClean="0"/>
-              <a:t>7/29/2024</a:t>
+              <a:t>8/1/2024</a:t>
             </a:fld>
             <a:endParaRPr lang="en-US"/>
           </a:p>
@@ -1411,7 +1411,7 @@
           <a:p>
             <a:fld id="{6E602128-D4D2-446C-B994-EA623573DE82}" type="datetimeFigureOut">
               <a:rPr lang="en-US" smtClean="0"/>
-              <a:t>7/29/2024</a:t>
+              <a:t>8/1/2024</a:t>
             </a:fld>
             <a:endParaRPr lang="en-US"/>
           </a:p>
@@ -1823,7 +1823,7 @@
           <a:p>
             <a:fld id="{6E602128-D4D2-446C-B994-EA623573DE82}" type="datetimeFigureOut">
               <a:rPr lang="en-US" smtClean="0"/>
-              <a:t>7/29/2024</a:t>
+              <a:t>8/1/2024</a:t>
             </a:fld>
             <a:endParaRPr lang="en-US"/>
           </a:p>
@@ -1964,7 +1964,7 @@
           <a:p>
             <a:fld id="{6E602128-D4D2-446C-B994-EA623573DE82}" type="datetimeFigureOut">
               <a:rPr lang="en-US" smtClean="0"/>
-              <a:t>7/29/2024</a:t>
+              <a:t>8/1/2024</a:t>
             </a:fld>
             <a:endParaRPr lang="en-US"/>
           </a:p>
@@ -2077,7 +2077,7 @@
           <a:p>
             <a:fld id="{6E602128-D4D2-446C-B994-EA623573DE82}" type="datetimeFigureOut">
               <a:rPr lang="en-US" smtClean="0"/>
-              <a:t>7/29/2024</a:t>
+              <a:t>8/1/2024</a:t>
             </a:fld>
             <a:endParaRPr lang="en-US"/>
           </a:p>
@@ -2388,7 +2388,7 @@
           <a:p>
             <a:fld id="{6E602128-D4D2-446C-B994-EA623573DE82}" type="datetimeFigureOut">
               <a:rPr lang="en-US" smtClean="0"/>
-              <a:t>7/29/2024</a:t>
+              <a:t>8/1/2024</a:t>
             </a:fld>
             <a:endParaRPr lang="en-US"/>
           </a:p>
@@ -2676,7 +2676,7 @@
           <a:p>
             <a:fld id="{6E602128-D4D2-446C-B994-EA623573DE82}" type="datetimeFigureOut">
               <a:rPr lang="en-US" smtClean="0"/>
-              <a:t>7/29/2024</a:t>
+              <a:t>8/1/2024</a:t>
             </a:fld>
             <a:endParaRPr lang="en-US"/>
           </a:p>
@@ -2917,7 +2917,7 @@
           <a:p>
             <a:fld id="{6E602128-D4D2-446C-B994-EA623573DE82}" type="datetimeFigureOut">
               <a:rPr lang="en-US" smtClean="0"/>
-              <a:t>7/29/2024</a:t>
+              <a:t>8/1/2024</a:t>
             </a:fld>
             <a:endParaRPr lang="en-US"/>
           </a:p>
@@ -3827,7 +3827,7 @@
           <a:lstStyle/>
           <a:p>
             <a:pPr algn="ctr"/>
-            <a:endParaRPr lang="en-US"/>
+            <a:endParaRPr lang="en-US" dirty="0"/>
           </a:p>
         </p:txBody>
       </p:sp>
@@ -3845,8 +3845,8 @@
         </p:nvSpPr>
         <p:spPr>
           <a:xfrm>
-            <a:off x="4951246" y="2777597"/>
-            <a:ext cx="1518364" cy="369332"/>
+            <a:off x="4932010" y="2777597"/>
+            <a:ext cx="1556837" cy="369332"/>
           </a:xfrm>
           <a:prstGeom prst="rect">
             <a:avLst/>
@@ -4835,7 +4835,7 @@
                   <a:latin typeface="Arial" panose="020B0604020202020204" pitchFamily="34" charset="0"/>
                   <a:cs typeface="Arial" panose="020B0604020202020204" pitchFamily="34" charset="0"/>
                 </a:rPr>
-                <a:t>Open Claim</a:t>
+                <a:t>File a Claim</a:t>
               </a:r>
             </a:p>
           </p:txBody>

--- a/Others/Auto App.pptx
+++ b/Others/Auto App.pptx
@@ -267,7 +267,7 @@
           <a:p>
             <a:fld id="{6E602128-D4D2-446C-B994-EA623573DE82}" type="datetimeFigureOut">
               <a:rPr lang="en-US" smtClean="0"/>
-              <a:t>8/1/2024</a:t>
+              <a:t>8/12/2024</a:t>
             </a:fld>
             <a:endParaRPr lang="en-US"/>
           </a:p>
@@ -465,7 +465,7 @@
           <a:p>
             <a:fld id="{6E602128-D4D2-446C-B994-EA623573DE82}" type="datetimeFigureOut">
               <a:rPr lang="en-US" smtClean="0"/>
-              <a:t>8/1/2024</a:t>
+              <a:t>8/12/2024</a:t>
             </a:fld>
             <a:endParaRPr lang="en-US"/>
           </a:p>
@@ -673,7 +673,7 @@
           <a:p>
             <a:fld id="{6E602128-D4D2-446C-B994-EA623573DE82}" type="datetimeFigureOut">
               <a:rPr lang="en-US" smtClean="0"/>
-              <a:t>8/1/2024</a:t>
+              <a:t>8/12/2024</a:t>
             </a:fld>
             <a:endParaRPr lang="en-US"/>
           </a:p>
@@ -871,7 +871,7 @@
           <a:p>
             <a:fld id="{6E602128-D4D2-446C-B994-EA623573DE82}" type="datetimeFigureOut">
               <a:rPr lang="en-US" smtClean="0"/>
-              <a:t>8/1/2024</a:t>
+              <a:t>8/12/2024</a:t>
             </a:fld>
             <a:endParaRPr lang="en-US"/>
           </a:p>
@@ -1146,7 +1146,7 @@
           <a:p>
             <a:fld id="{6E602128-D4D2-446C-B994-EA623573DE82}" type="datetimeFigureOut">
               <a:rPr lang="en-US" smtClean="0"/>
-              <a:t>8/1/2024</a:t>
+              <a:t>8/12/2024</a:t>
             </a:fld>
             <a:endParaRPr lang="en-US"/>
           </a:p>
@@ -1411,7 +1411,7 @@
           <a:p>
             <a:fld id="{6E602128-D4D2-446C-B994-EA623573DE82}" type="datetimeFigureOut">
               <a:rPr lang="en-US" smtClean="0"/>
-              <a:t>8/1/2024</a:t>
+              <a:t>8/12/2024</a:t>
             </a:fld>
             <a:endParaRPr lang="en-US"/>
           </a:p>
@@ -1823,7 +1823,7 @@
           <a:p>
             <a:fld id="{6E602128-D4D2-446C-B994-EA623573DE82}" type="datetimeFigureOut">
               <a:rPr lang="en-US" smtClean="0"/>
-              <a:t>8/1/2024</a:t>
+              <a:t>8/12/2024</a:t>
             </a:fld>
             <a:endParaRPr lang="en-US"/>
           </a:p>
@@ -1964,7 +1964,7 @@
           <a:p>
             <a:fld id="{6E602128-D4D2-446C-B994-EA623573DE82}" type="datetimeFigureOut">
               <a:rPr lang="en-US" smtClean="0"/>
-              <a:t>8/1/2024</a:t>
+              <a:t>8/12/2024</a:t>
             </a:fld>
             <a:endParaRPr lang="en-US"/>
           </a:p>
@@ -2077,7 +2077,7 @@
           <a:p>
             <a:fld id="{6E602128-D4D2-446C-B994-EA623573DE82}" type="datetimeFigureOut">
               <a:rPr lang="en-US" smtClean="0"/>
-              <a:t>8/1/2024</a:t>
+              <a:t>8/12/2024</a:t>
             </a:fld>
             <a:endParaRPr lang="en-US"/>
           </a:p>
@@ -2388,7 +2388,7 @@
           <a:p>
             <a:fld id="{6E602128-D4D2-446C-B994-EA623573DE82}" type="datetimeFigureOut">
               <a:rPr lang="en-US" smtClean="0"/>
-              <a:t>8/1/2024</a:t>
+              <a:t>8/12/2024</a:t>
             </a:fld>
             <a:endParaRPr lang="en-US"/>
           </a:p>
@@ -2676,7 +2676,7 @@
           <a:p>
             <a:fld id="{6E602128-D4D2-446C-B994-EA623573DE82}" type="datetimeFigureOut">
               <a:rPr lang="en-US" smtClean="0"/>
-              <a:t>8/1/2024</a:t>
+              <a:t>8/12/2024</a:t>
             </a:fld>
             <a:endParaRPr lang="en-US"/>
           </a:p>
@@ -2917,7 +2917,7 @@
           <a:p>
             <a:fld id="{6E602128-D4D2-446C-B994-EA623573DE82}" type="datetimeFigureOut">
               <a:rPr lang="en-US" smtClean="0"/>
-              <a:t>8/1/2024</a:t>
+              <a:t>8/12/2024</a:t>
             </a:fld>
             <a:endParaRPr lang="en-US"/>
           </a:p>
@@ -12297,9 +12297,9 @@
         <p:grpSpPr>
           <a:xfrm>
             <a:off x="1707237" y="4228745"/>
-            <a:ext cx="2491360" cy="554329"/>
+            <a:ext cx="2487161" cy="554329"/>
             <a:chOff x="3717029" y="2023996"/>
-            <a:chExt cx="2491360" cy="554329"/>
+            <a:chExt cx="2487161" cy="554329"/>
           </a:xfrm>
         </p:grpSpPr>
         <p:sp>
@@ -12316,8 +12316,8 @@
           </p:nvSpPr>
           <p:spPr>
             <a:xfrm>
-              <a:off x="3995924" y="2301326"/>
-              <a:ext cx="2212465" cy="276999"/>
+              <a:off x="4626707" y="2301326"/>
+              <a:ext cx="950901" cy="276999"/>
             </a:xfrm>
             <a:prstGeom prst="rect">
               <a:avLst/>
@@ -12332,6 +12332,19 @@
             <a:p>
               <a:pPr algn="ctr"/>
               <a:r>
+                <a:rPr lang="es-ES" sz="1200" dirty="0">
+                  <a:solidFill>
+                    <a:schemeClr val="tx1">
+                      <a:lumMod val="65000"/>
+                      <a:lumOff val="35000"/>
+                    </a:schemeClr>
+                  </a:solidFill>
+                  <a:latin typeface="Arial" panose="020B0604020202020204" pitchFamily="34" charset="0"/>
+                  <a:cs typeface="Arial" panose="020B0604020202020204" pitchFamily="34" charset="0"/>
+                </a:rPr>
+                <a:t>2</a:t>
+              </a:r>
+              <a:r>
                 <a:rPr lang="en-US" sz="1200" dirty="0">
                   <a:solidFill>
                     <a:schemeClr val="tx1">
@@ -12342,7 +12355,7 @@
                   <a:latin typeface="Arial" panose="020B0604020202020204" pitchFamily="34" charset="0"/>
                   <a:cs typeface="Arial" panose="020B0604020202020204" pitchFamily="34" charset="0"/>
                 </a:rPr>
-                <a:t>Select among available dates</a:t>
+                <a:t>7/08/2024</a:t>
               </a:r>
             </a:p>
           </p:txBody>
@@ -12459,9 +12472,9 @@
         <p:grpSpPr>
           <a:xfrm>
             <a:off x="1683121" y="3352865"/>
-            <a:ext cx="2522295" cy="539848"/>
+            <a:ext cx="2475213" cy="539848"/>
             <a:chOff x="3717802" y="2632799"/>
-            <a:chExt cx="2522295" cy="539848"/>
+            <a:chExt cx="2475213" cy="539848"/>
           </a:xfrm>
         </p:grpSpPr>
         <p:sp>
@@ -12478,8 +12491,8 @@
           </p:nvSpPr>
           <p:spPr>
             <a:xfrm>
-              <a:off x="3881758" y="2903268"/>
-              <a:ext cx="2358339" cy="261610"/>
+              <a:off x="4131025" y="2903268"/>
+              <a:ext cx="1859805" cy="261610"/>
             </a:xfrm>
             <a:prstGeom prst="rect">
               <a:avLst/>
@@ -12504,7 +12517,7 @@
                   <a:latin typeface="Arial" panose="020B0604020202020204" pitchFamily="34" charset="0"/>
                   <a:cs typeface="Arial" panose="020B0604020202020204" pitchFamily="34" charset="0"/>
                 </a:rPr>
-                <a:t>Select among available workshops</a:t>
+                <a:t>Sandyford McCann Motors</a:t>
               </a:r>
             </a:p>
           </p:txBody>

--- a/Others/Auto App.pptx
+++ b/Others/Auto App.pptx
@@ -14,6 +14,12 @@
     <p:sldId id="264" r:id="rId8"/>
     <p:sldId id="265" r:id="rId9"/>
     <p:sldId id="266" r:id="rId10"/>
+    <p:sldId id="268" r:id="rId11"/>
+    <p:sldId id="267" r:id="rId12"/>
+    <p:sldId id="270" r:id="rId13"/>
+    <p:sldId id="269" r:id="rId14"/>
+    <p:sldId id="272" r:id="rId15"/>
+    <p:sldId id="271" r:id="rId16"/>
   </p:sldIdLst>
   <p:sldSz cx="12192000" cy="6858000"/>
   <p:notesSz cx="6858000" cy="9144000"/>
@@ -267,7 +273,7 @@
           <a:p>
             <a:fld id="{6E602128-D4D2-446C-B994-EA623573DE82}" type="datetimeFigureOut">
               <a:rPr lang="en-US" smtClean="0"/>
-              <a:t>8/12/2024</a:t>
+              <a:t>8/14/2024</a:t>
             </a:fld>
             <a:endParaRPr lang="en-US"/>
           </a:p>
@@ -465,7 +471,7 @@
           <a:p>
             <a:fld id="{6E602128-D4D2-446C-B994-EA623573DE82}" type="datetimeFigureOut">
               <a:rPr lang="en-US" smtClean="0"/>
-              <a:t>8/12/2024</a:t>
+              <a:t>8/14/2024</a:t>
             </a:fld>
             <a:endParaRPr lang="en-US"/>
           </a:p>
@@ -673,7 +679,7 @@
           <a:p>
             <a:fld id="{6E602128-D4D2-446C-B994-EA623573DE82}" type="datetimeFigureOut">
               <a:rPr lang="en-US" smtClean="0"/>
-              <a:t>8/12/2024</a:t>
+              <a:t>8/14/2024</a:t>
             </a:fld>
             <a:endParaRPr lang="en-US"/>
           </a:p>
@@ -871,7 +877,7 @@
           <a:p>
             <a:fld id="{6E602128-D4D2-446C-B994-EA623573DE82}" type="datetimeFigureOut">
               <a:rPr lang="en-US" smtClean="0"/>
-              <a:t>8/12/2024</a:t>
+              <a:t>8/14/2024</a:t>
             </a:fld>
             <a:endParaRPr lang="en-US"/>
           </a:p>
@@ -1146,7 +1152,7 @@
           <a:p>
             <a:fld id="{6E602128-D4D2-446C-B994-EA623573DE82}" type="datetimeFigureOut">
               <a:rPr lang="en-US" smtClean="0"/>
-              <a:t>8/12/2024</a:t>
+              <a:t>8/14/2024</a:t>
             </a:fld>
             <a:endParaRPr lang="en-US"/>
           </a:p>
@@ -1411,7 +1417,7 @@
           <a:p>
             <a:fld id="{6E602128-D4D2-446C-B994-EA623573DE82}" type="datetimeFigureOut">
               <a:rPr lang="en-US" smtClean="0"/>
-              <a:t>8/12/2024</a:t>
+              <a:t>8/14/2024</a:t>
             </a:fld>
             <a:endParaRPr lang="en-US"/>
           </a:p>
@@ -1823,7 +1829,7 @@
           <a:p>
             <a:fld id="{6E602128-D4D2-446C-B994-EA623573DE82}" type="datetimeFigureOut">
               <a:rPr lang="en-US" smtClean="0"/>
-              <a:t>8/12/2024</a:t>
+              <a:t>8/14/2024</a:t>
             </a:fld>
             <a:endParaRPr lang="en-US"/>
           </a:p>
@@ -1964,7 +1970,7 @@
           <a:p>
             <a:fld id="{6E602128-D4D2-446C-B994-EA623573DE82}" type="datetimeFigureOut">
               <a:rPr lang="en-US" smtClean="0"/>
-              <a:t>8/12/2024</a:t>
+              <a:t>8/14/2024</a:t>
             </a:fld>
             <a:endParaRPr lang="en-US"/>
           </a:p>
@@ -2077,7 +2083,7 @@
           <a:p>
             <a:fld id="{6E602128-D4D2-446C-B994-EA623573DE82}" type="datetimeFigureOut">
               <a:rPr lang="en-US" smtClean="0"/>
-              <a:t>8/12/2024</a:t>
+              <a:t>8/14/2024</a:t>
             </a:fld>
             <a:endParaRPr lang="en-US"/>
           </a:p>
@@ -2388,7 +2394,7 @@
           <a:p>
             <a:fld id="{6E602128-D4D2-446C-B994-EA623573DE82}" type="datetimeFigureOut">
               <a:rPr lang="en-US" smtClean="0"/>
-              <a:t>8/12/2024</a:t>
+              <a:t>8/14/2024</a:t>
             </a:fld>
             <a:endParaRPr lang="en-US"/>
           </a:p>
@@ -2676,7 +2682,7 @@
           <a:p>
             <a:fld id="{6E602128-D4D2-446C-B994-EA623573DE82}" type="datetimeFigureOut">
               <a:rPr lang="en-US" smtClean="0"/>
-              <a:t>8/12/2024</a:t>
+              <a:t>8/14/2024</a:t>
             </a:fld>
             <a:endParaRPr lang="en-US"/>
           </a:p>
@@ -2917,7 +2923,7 @@
           <a:p>
             <a:fld id="{6E602128-D4D2-446C-B994-EA623573DE82}" type="datetimeFigureOut">
               <a:rPr lang="en-US" smtClean="0"/>
-              <a:t>8/12/2024</a:t>
+              <a:t>8/14/2024</a:t>
             </a:fld>
             <a:endParaRPr lang="en-US"/>
           </a:p>
@@ -3745,6 +3751,600 @@
     <p:extLst>
       <p:ext uri="{BB962C8B-B14F-4D97-AF65-F5344CB8AC3E}">
         <p14:creationId xmlns:p14="http://schemas.microsoft.com/office/powerpoint/2010/main" val="1345614903"/>
+      </p:ext>
+    </p:extLst>
+  </p:cSld>
+  <p:clrMapOvr>
+    <a:masterClrMapping/>
+  </p:clrMapOvr>
+</p:sld>
+</file>
+
+<file path=ppt/slides/slide10.xml><?xml version="1.0" encoding="utf-8"?>
+<p:sld xmlns:a="http://schemas.openxmlformats.org/drawingml/2006/main" xmlns:r="http://schemas.openxmlformats.org/officeDocument/2006/relationships" xmlns:p="http://schemas.openxmlformats.org/presentationml/2006/main">
+  <p:cSld>
+    <p:spTree>
+      <p:nvGrpSpPr>
+        <p:cNvPr id="1" name=""/>
+        <p:cNvGrpSpPr/>
+        <p:nvPr/>
+      </p:nvGrpSpPr>
+      <p:grpSpPr>
+        <a:xfrm>
+          <a:off x="0" y="0"/>
+          <a:ext cx="0" cy="0"/>
+          <a:chOff x="0" y="0"/>
+          <a:chExt cx="0" cy="0"/>
+        </a:xfrm>
+      </p:grpSpPr>
+      <p:sp>
+        <p:nvSpPr>
+          <p:cNvPr id="2" name="Title 1">
+            <a:extLst>
+              <a:ext uri="{FF2B5EF4-FFF2-40B4-BE49-F238E27FC236}">
+                <a16:creationId xmlns:a16="http://schemas.microsoft.com/office/drawing/2014/main" id="{AD50D9AA-7EC6-198A-CEB4-4E383AE6AD2B}"/>
+              </a:ext>
+            </a:extLst>
+          </p:cNvPr>
+          <p:cNvSpPr>
+            <a:spLocks noGrp="1"/>
+          </p:cNvSpPr>
+          <p:nvPr>
+            <p:ph type="title"/>
+          </p:nvPr>
+        </p:nvSpPr>
+        <p:spPr>
+          <a:xfrm>
+            <a:off x="161544" y="73153"/>
+            <a:ext cx="10515600" cy="806458"/>
+          </a:xfrm>
+        </p:spPr>
+        <p:txBody>
+          <a:bodyPr>
+            <a:normAutofit/>
+          </a:bodyPr>
+          <a:lstStyle/>
+          <a:p>
+            <a:r>
+              <a:rPr lang="en-US" sz="3200" b="1" dirty="0">
+                <a:solidFill>
+                  <a:srgbClr val="023047"/>
+                </a:solidFill>
+              </a:rPr>
+              <a:t>Step 7.2 – Approved – Example 2</a:t>
+            </a:r>
+          </a:p>
+        </p:txBody>
+      </p:sp>
+      <p:pic>
+        <p:nvPicPr>
+          <p:cNvPr id="6" name="Picture 5">
+            <a:extLst>
+              <a:ext uri="{FF2B5EF4-FFF2-40B4-BE49-F238E27FC236}">
+                <a16:creationId xmlns:a16="http://schemas.microsoft.com/office/drawing/2014/main" id="{355F7848-E319-4D3F-3497-BCBED7E0142C}"/>
+              </a:ext>
+            </a:extLst>
+          </p:cNvPr>
+          <p:cNvPicPr>
+            <a:picLocks noChangeAspect="1"/>
+          </p:cNvPicPr>
+          <p:nvPr/>
+        </p:nvPicPr>
+        <p:blipFill>
+          <a:blip r:embed="rId2"/>
+          <a:stretch>
+            <a:fillRect/>
+          </a:stretch>
+        </p:blipFill>
+        <p:spPr>
+          <a:xfrm>
+            <a:off x="598991" y="879611"/>
+            <a:ext cx="10364098" cy="5601185"/>
+          </a:xfrm>
+          <a:prstGeom prst="rect">
+            <a:avLst/>
+          </a:prstGeom>
+        </p:spPr>
+      </p:pic>
+    </p:spTree>
+    <p:extLst>
+      <p:ext uri="{BB962C8B-B14F-4D97-AF65-F5344CB8AC3E}">
+        <p14:creationId xmlns:p14="http://schemas.microsoft.com/office/powerpoint/2010/main" val="3134196641"/>
+      </p:ext>
+    </p:extLst>
+  </p:cSld>
+  <p:clrMapOvr>
+    <a:masterClrMapping/>
+  </p:clrMapOvr>
+</p:sld>
+</file>
+
+<file path=ppt/slides/slide11.xml><?xml version="1.0" encoding="utf-8"?>
+<p:sld xmlns:a="http://schemas.openxmlformats.org/drawingml/2006/main" xmlns:r="http://schemas.openxmlformats.org/officeDocument/2006/relationships" xmlns:p="http://schemas.openxmlformats.org/presentationml/2006/main">
+  <p:cSld>
+    <p:spTree>
+      <p:nvGrpSpPr>
+        <p:cNvPr id="1" name=""/>
+        <p:cNvGrpSpPr/>
+        <p:nvPr/>
+      </p:nvGrpSpPr>
+      <p:grpSpPr>
+        <a:xfrm>
+          <a:off x="0" y="0"/>
+          <a:ext cx="0" cy="0"/>
+          <a:chOff x="0" y="0"/>
+          <a:chExt cx="0" cy="0"/>
+        </a:xfrm>
+      </p:grpSpPr>
+      <p:sp>
+        <p:nvSpPr>
+          <p:cNvPr id="2" name="Title 1">
+            <a:extLst>
+              <a:ext uri="{FF2B5EF4-FFF2-40B4-BE49-F238E27FC236}">
+                <a16:creationId xmlns:a16="http://schemas.microsoft.com/office/drawing/2014/main" id="{AD50D9AA-7EC6-198A-CEB4-4E383AE6AD2B}"/>
+              </a:ext>
+            </a:extLst>
+          </p:cNvPr>
+          <p:cNvSpPr>
+            <a:spLocks noGrp="1"/>
+          </p:cNvSpPr>
+          <p:nvPr>
+            <p:ph type="title"/>
+          </p:nvPr>
+        </p:nvSpPr>
+        <p:spPr>
+          <a:xfrm>
+            <a:off x="161544" y="73153"/>
+            <a:ext cx="10515600" cy="806458"/>
+          </a:xfrm>
+        </p:spPr>
+        <p:txBody>
+          <a:bodyPr>
+            <a:normAutofit/>
+          </a:bodyPr>
+          <a:lstStyle/>
+          <a:p>
+            <a:r>
+              <a:rPr lang="en-US" sz="3200" b="1" dirty="0">
+                <a:solidFill>
+                  <a:srgbClr val="023047"/>
+                </a:solidFill>
+              </a:rPr>
+              <a:t>Step 7.2 – Approved – Example 1</a:t>
+            </a:r>
+          </a:p>
+        </p:txBody>
+      </p:sp>
+      <p:pic>
+        <p:nvPicPr>
+          <p:cNvPr id="6" name="Picture 5">
+            <a:extLst>
+              <a:ext uri="{FF2B5EF4-FFF2-40B4-BE49-F238E27FC236}">
+                <a16:creationId xmlns:a16="http://schemas.microsoft.com/office/drawing/2014/main" id="{C8123A31-EF08-3B69-AECD-8D1D690E4CEB}"/>
+              </a:ext>
+            </a:extLst>
+          </p:cNvPr>
+          <p:cNvPicPr>
+            <a:picLocks noChangeAspect="1"/>
+          </p:cNvPicPr>
+          <p:nvPr/>
+        </p:nvPicPr>
+        <p:blipFill>
+          <a:blip r:embed="rId2"/>
+          <a:stretch>
+            <a:fillRect/>
+          </a:stretch>
+        </p:blipFill>
+        <p:spPr>
+          <a:xfrm>
+            <a:off x="940623" y="879611"/>
+            <a:ext cx="10310754" cy="5608806"/>
+          </a:xfrm>
+          <a:prstGeom prst="rect">
+            <a:avLst/>
+          </a:prstGeom>
+        </p:spPr>
+      </p:pic>
+    </p:spTree>
+    <p:extLst>
+      <p:ext uri="{BB962C8B-B14F-4D97-AF65-F5344CB8AC3E}">
+        <p14:creationId xmlns:p14="http://schemas.microsoft.com/office/powerpoint/2010/main" val="1240895322"/>
+      </p:ext>
+    </p:extLst>
+  </p:cSld>
+  <p:clrMapOvr>
+    <a:masterClrMapping/>
+  </p:clrMapOvr>
+</p:sld>
+</file>
+
+<file path=ppt/slides/slide12.xml><?xml version="1.0" encoding="utf-8"?>
+<p:sld xmlns:a="http://schemas.openxmlformats.org/drawingml/2006/main" xmlns:r="http://schemas.openxmlformats.org/officeDocument/2006/relationships" xmlns:p="http://schemas.openxmlformats.org/presentationml/2006/main">
+  <p:cSld>
+    <p:spTree>
+      <p:nvGrpSpPr>
+        <p:cNvPr id="1" name=""/>
+        <p:cNvGrpSpPr/>
+        <p:nvPr/>
+      </p:nvGrpSpPr>
+      <p:grpSpPr>
+        <a:xfrm>
+          <a:off x="0" y="0"/>
+          <a:ext cx="0" cy="0"/>
+          <a:chOff x="0" y="0"/>
+          <a:chExt cx="0" cy="0"/>
+        </a:xfrm>
+      </p:grpSpPr>
+      <p:sp>
+        <p:nvSpPr>
+          <p:cNvPr id="2" name="Title 1">
+            <a:extLst>
+              <a:ext uri="{FF2B5EF4-FFF2-40B4-BE49-F238E27FC236}">
+                <a16:creationId xmlns:a16="http://schemas.microsoft.com/office/drawing/2014/main" id="{AD50D9AA-7EC6-198A-CEB4-4E383AE6AD2B}"/>
+              </a:ext>
+            </a:extLst>
+          </p:cNvPr>
+          <p:cNvSpPr>
+            <a:spLocks noGrp="1"/>
+          </p:cNvSpPr>
+          <p:nvPr>
+            <p:ph type="title"/>
+          </p:nvPr>
+        </p:nvSpPr>
+        <p:spPr>
+          <a:xfrm>
+            <a:off x="161544" y="62993"/>
+            <a:ext cx="10515600" cy="806458"/>
+          </a:xfrm>
+        </p:spPr>
+        <p:txBody>
+          <a:bodyPr>
+            <a:normAutofit/>
+          </a:bodyPr>
+          <a:lstStyle/>
+          <a:p>
+            <a:r>
+              <a:rPr lang="en-US" sz="3200" b="1" dirty="0">
+                <a:solidFill>
+                  <a:srgbClr val="023047"/>
+                </a:solidFill>
+              </a:rPr>
+              <a:t>Step 7.2 – Approved – Example 4</a:t>
+            </a:r>
+          </a:p>
+        </p:txBody>
+      </p:sp>
+      <p:pic>
+        <p:nvPicPr>
+          <p:cNvPr id="9" name="Picture 8">
+            <a:extLst>
+              <a:ext uri="{FF2B5EF4-FFF2-40B4-BE49-F238E27FC236}">
+                <a16:creationId xmlns:a16="http://schemas.microsoft.com/office/drawing/2014/main" id="{7152BFF5-2746-71B5-657A-DA3BC6319B9B}"/>
+              </a:ext>
+            </a:extLst>
+          </p:cNvPr>
+          <p:cNvPicPr>
+            <a:picLocks noChangeAspect="1"/>
+          </p:cNvPicPr>
+          <p:nvPr/>
+        </p:nvPicPr>
+        <p:blipFill>
+          <a:blip r:embed="rId2"/>
+          <a:stretch>
+            <a:fillRect/>
+          </a:stretch>
+        </p:blipFill>
+        <p:spPr>
+          <a:xfrm>
+            <a:off x="872037" y="869451"/>
+            <a:ext cx="10447925" cy="5616427"/>
+          </a:xfrm>
+          <a:prstGeom prst="rect">
+            <a:avLst/>
+          </a:prstGeom>
+        </p:spPr>
+      </p:pic>
+    </p:spTree>
+    <p:extLst>
+      <p:ext uri="{BB962C8B-B14F-4D97-AF65-F5344CB8AC3E}">
+        <p14:creationId xmlns:p14="http://schemas.microsoft.com/office/powerpoint/2010/main" val="2883834254"/>
+      </p:ext>
+    </p:extLst>
+  </p:cSld>
+  <p:clrMapOvr>
+    <a:masterClrMapping/>
+  </p:clrMapOvr>
+</p:sld>
+</file>
+
+<file path=ppt/slides/slide13.xml><?xml version="1.0" encoding="utf-8"?>
+<p:sld xmlns:a="http://schemas.openxmlformats.org/drawingml/2006/main" xmlns:r="http://schemas.openxmlformats.org/officeDocument/2006/relationships" xmlns:p="http://schemas.openxmlformats.org/presentationml/2006/main">
+  <p:cSld>
+    <p:spTree>
+      <p:nvGrpSpPr>
+        <p:cNvPr id="1" name=""/>
+        <p:cNvGrpSpPr/>
+        <p:nvPr/>
+      </p:nvGrpSpPr>
+      <p:grpSpPr>
+        <a:xfrm>
+          <a:off x="0" y="0"/>
+          <a:ext cx="0" cy="0"/>
+          <a:chOff x="0" y="0"/>
+          <a:chExt cx="0" cy="0"/>
+        </a:xfrm>
+      </p:grpSpPr>
+      <p:sp>
+        <p:nvSpPr>
+          <p:cNvPr id="2" name="Title 1">
+            <a:extLst>
+              <a:ext uri="{FF2B5EF4-FFF2-40B4-BE49-F238E27FC236}">
+                <a16:creationId xmlns:a16="http://schemas.microsoft.com/office/drawing/2014/main" id="{AD50D9AA-7EC6-198A-CEB4-4E383AE6AD2B}"/>
+              </a:ext>
+            </a:extLst>
+          </p:cNvPr>
+          <p:cNvSpPr>
+            <a:spLocks noGrp="1"/>
+          </p:cNvSpPr>
+          <p:nvPr>
+            <p:ph type="title"/>
+          </p:nvPr>
+        </p:nvSpPr>
+        <p:spPr>
+          <a:xfrm>
+            <a:off x="161544" y="73153"/>
+            <a:ext cx="10515600" cy="806458"/>
+          </a:xfrm>
+        </p:spPr>
+        <p:txBody>
+          <a:bodyPr>
+            <a:normAutofit/>
+          </a:bodyPr>
+          <a:lstStyle/>
+          <a:p>
+            <a:r>
+              <a:rPr lang="en-US" sz="3200" b="1" dirty="0">
+                <a:solidFill>
+                  <a:srgbClr val="023047"/>
+                </a:solidFill>
+              </a:rPr>
+              <a:t>Step 7.2 – Approved – Example 3</a:t>
+            </a:r>
+          </a:p>
+        </p:txBody>
+      </p:sp>
+      <p:pic>
+        <p:nvPicPr>
+          <p:cNvPr id="6" name="Picture 5">
+            <a:extLst>
+              <a:ext uri="{FF2B5EF4-FFF2-40B4-BE49-F238E27FC236}">
+                <a16:creationId xmlns:a16="http://schemas.microsoft.com/office/drawing/2014/main" id="{0BE1E4C3-F026-86D5-5398-840E0EDDD5C0}"/>
+              </a:ext>
+            </a:extLst>
+          </p:cNvPr>
+          <p:cNvPicPr>
+            <a:picLocks noChangeAspect="1"/>
+          </p:cNvPicPr>
+          <p:nvPr/>
+        </p:nvPicPr>
+        <p:blipFill>
+          <a:blip r:embed="rId2"/>
+          <a:stretch>
+            <a:fillRect/>
+          </a:stretch>
+        </p:blipFill>
+        <p:spPr>
+          <a:xfrm>
+            <a:off x="925382" y="879611"/>
+            <a:ext cx="10341236" cy="5547841"/>
+          </a:xfrm>
+          <a:prstGeom prst="rect">
+            <a:avLst/>
+          </a:prstGeom>
+        </p:spPr>
+      </p:pic>
+    </p:spTree>
+    <p:extLst>
+      <p:ext uri="{BB962C8B-B14F-4D97-AF65-F5344CB8AC3E}">
+        <p14:creationId xmlns:p14="http://schemas.microsoft.com/office/powerpoint/2010/main" val="3436711146"/>
+      </p:ext>
+    </p:extLst>
+  </p:cSld>
+  <p:clrMapOvr>
+    <a:masterClrMapping/>
+  </p:clrMapOvr>
+</p:sld>
+</file>
+
+<file path=ppt/slides/slide14.xml><?xml version="1.0" encoding="utf-8"?>
+<p:sld xmlns:a="http://schemas.openxmlformats.org/drawingml/2006/main" xmlns:r="http://schemas.openxmlformats.org/officeDocument/2006/relationships" xmlns:p="http://schemas.openxmlformats.org/presentationml/2006/main">
+  <p:cSld>
+    <p:spTree>
+      <p:nvGrpSpPr>
+        <p:cNvPr id="1" name=""/>
+        <p:cNvGrpSpPr/>
+        <p:nvPr/>
+      </p:nvGrpSpPr>
+      <p:grpSpPr>
+        <a:xfrm>
+          <a:off x="0" y="0"/>
+          <a:ext cx="0" cy="0"/>
+          <a:chOff x="0" y="0"/>
+          <a:chExt cx="0" cy="0"/>
+        </a:xfrm>
+      </p:grpSpPr>
+      <p:sp>
+        <p:nvSpPr>
+          <p:cNvPr id="5" name="Title 1">
+            <a:extLst>
+              <a:ext uri="{FF2B5EF4-FFF2-40B4-BE49-F238E27FC236}">
+                <a16:creationId xmlns:a16="http://schemas.microsoft.com/office/drawing/2014/main" id="{A767535D-BE98-EB95-40CB-F1D5305B092F}"/>
+              </a:ext>
+            </a:extLst>
+          </p:cNvPr>
+          <p:cNvSpPr>
+            <a:spLocks noGrp="1"/>
+          </p:cNvSpPr>
+          <p:nvPr>
+            <p:ph type="title"/>
+          </p:nvPr>
+        </p:nvSpPr>
+        <p:spPr>
+          <a:xfrm>
+            <a:off x="161544" y="73153"/>
+            <a:ext cx="10515600" cy="806458"/>
+          </a:xfrm>
+        </p:spPr>
+        <p:txBody>
+          <a:bodyPr>
+            <a:normAutofit/>
+          </a:bodyPr>
+          <a:lstStyle/>
+          <a:p>
+            <a:r>
+              <a:rPr lang="en-US" sz="3200" b="1" dirty="0">
+                <a:solidFill>
+                  <a:srgbClr val="023047"/>
+                </a:solidFill>
+              </a:rPr>
+              <a:t>Step 3</a:t>
+            </a:r>
+          </a:p>
+        </p:txBody>
+      </p:sp>
+      <p:pic>
+        <p:nvPicPr>
+          <p:cNvPr id="8" name="Picture 7">
+            <a:extLst>
+              <a:ext uri="{FF2B5EF4-FFF2-40B4-BE49-F238E27FC236}">
+                <a16:creationId xmlns:a16="http://schemas.microsoft.com/office/drawing/2014/main" id="{06B8C0C8-FACF-F399-1223-D620406D5EA2}"/>
+              </a:ext>
+            </a:extLst>
+          </p:cNvPr>
+          <p:cNvPicPr>
+            <a:picLocks noChangeAspect="1"/>
+          </p:cNvPicPr>
+          <p:nvPr/>
+        </p:nvPicPr>
+        <p:blipFill>
+          <a:blip r:embed="rId2"/>
+          <a:stretch>
+            <a:fillRect/>
+          </a:stretch>
+        </p:blipFill>
+        <p:spPr>
+          <a:xfrm>
+            <a:off x="4581989" y="1240480"/>
+            <a:ext cx="3909399" cy="4686706"/>
+          </a:xfrm>
+          <a:prstGeom prst="rect">
+            <a:avLst/>
+          </a:prstGeom>
+        </p:spPr>
+      </p:pic>
+    </p:spTree>
+    <p:extLst>
+      <p:ext uri="{BB962C8B-B14F-4D97-AF65-F5344CB8AC3E}">
+        <p14:creationId xmlns:p14="http://schemas.microsoft.com/office/powerpoint/2010/main" val="823095337"/>
+      </p:ext>
+    </p:extLst>
+  </p:cSld>
+  <p:clrMapOvr>
+    <a:masterClrMapping/>
+  </p:clrMapOvr>
+</p:sld>
+</file>
+
+<file path=ppt/slides/slide15.xml><?xml version="1.0" encoding="utf-8"?>
+<p:sld xmlns:a="http://schemas.openxmlformats.org/drawingml/2006/main" xmlns:r="http://schemas.openxmlformats.org/officeDocument/2006/relationships" xmlns:p="http://schemas.openxmlformats.org/presentationml/2006/main">
+  <p:cSld>
+    <p:spTree>
+      <p:nvGrpSpPr>
+        <p:cNvPr id="1" name=""/>
+        <p:cNvGrpSpPr/>
+        <p:nvPr/>
+      </p:nvGrpSpPr>
+      <p:grpSpPr>
+        <a:xfrm>
+          <a:off x="0" y="0"/>
+          <a:ext cx="0" cy="0"/>
+          <a:chOff x="0" y="0"/>
+          <a:chExt cx="0" cy="0"/>
+        </a:xfrm>
+      </p:grpSpPr>
+      <p:sp>
+        <p:nvSpPr>
+          <p:cNvPr id="2" name="Title 1">
+            <a:extLst>
+              <a:ext uri="{FF2B5EF4-FFF2-40B4-BE49-F238E27FC236}">
+                <a16:creationId xmlns:a16="http://schemas.microsoft.com/office/drawing/2014/main" id="{AD50D9AA-7EC6-198A-CEB4-4E383AE6AD2B}"/>
+              </a:ext>
+            </a:extLst>
+          </p:cNvPr>
+          <p:cNvSpPr>
+            <a:spLocks noGrp="1"/>
+          </p:cNvSpPr>
+          <p:nvPr>
+            <p:ph type="title"/>
+          </p:nvPr>
+        </p:nvSpPr>
+        <p:spPr>
+          <a:xfrm>
+            <a:off x="161544" y="62993"/>
+            <a:ext cx="10515600" cy="806458"/>
+          </a:xfrm>
+        </p:spPr>
+        <p:txBody>
+          <a:bodyPr>
+            <a:normAutofit/>
+          </a:bodyPr>
+          <a:lstStyle/>
+          <a:p>
+            <a:r>
+              <a:rPr lang="en-US" sz="3200" b="1" dirty="0">
+                <a:solidFill>
+                  <a:srgbClr val="023047"/>
+                </a:solidFill>
+              </a:rPr>
+              <a:t>Step 7.2 – Approved – Example 5</a:t>
+            </a:r>
+          </a:p>
+        </p:txBody>
+      </p:sp>
+      <p:pic>
+        <p:nvPicPr>
+          <p:cNvPr id="6" name="Picture 5">
+            <a:extLst>
+              <a:ext uri="{FF2B5EF4-FFF2-40B4-BE49-F238E27FC236}">
+                <a16:creationId xmlns:a16="http://schemas.microsoft.com/office/drawing/2014/main" id="{F76C6B04-5B82-6BB2-9C6D-DFE5B0D0E386}"/>
+              </a:ext>
+            </a:extLst>
+          </p:cNvPr>
+          <p:cNvPicPr>
+            <a:picLocks noChangeAspect="1"/>
+          </p:cNvPicPr>
+          <p:nvPr/>
+        </p:nvPicPr>
+        <p:blipFill>
+          <a:blip r:embed="rId2"/>
+          <a:stretch>
+            <a:fillRect/>
+          </a:stretch>
+        </p:blipFill>
+        <p:spPr>
+          <a:xfrm>
+            <a:off x="891089" y="963687"/>
+            <a:ext cx="10409822" cy="5601185"/>
+          </a:xfrm>
+          <a:prstGeom prst="rect">
+            <a:avLst/>
+          </a:prstGeom>
+        </p:spPr>
+      </p:pic>
+    </p:spTree>
+    <p:extLst>
+      <p:ext uri="{BB962C8B-B14F-4D97-AF65-F5344CB8AC3E}">
+        <p14:creationId xmlns:p14="http://schemas.microsoft.com/office/powerpoint/2010/main" val="3810519066"/>
       </p:ext>
     </p:extLst>
   </p:cSld>
